--- a/Data Cleaning Seminar.pptx
+++ b/Data Cleaning Seminar.pptx
@@ -114,6 +114,11 @@
       </a:defRPr>
     </a:lvl9pPr>
   </p:defaultTextStyle>
+  <p:extLst>
+    <p:ext uri="{EFAFB233-063F-42B5-8137-9DF3F51BA10A}">
+      <p15:sldGuideLst xmlns:p15="http://schemas.microsoft.com/office/powerpoint/2012/main"/>
+    </p:ext>
+  </p:extLst>
 </p:presentation>
 </file>
 
@@ -18174,6 +18179,12 @@
               <a:t> of your dataset as a separate file so you have a backup if needed. We’ll dive deeper into each of these steps shortly.</a:t>
             </a:r>
           </a:p>
+          <a:p>
+            <a:endParaRPr lang="en-US"/>
+          </a:p>
+          <a:p>
+            <a:endParaRPr lang="en-US" dirty="0"/>
+          </a:p>
         </p:txBody>
       </p:sp>
       <p:sp>

--- a/Data Cleaning Seminar.pptx
+++ b/Data Cleaning Seminar.pptx
@@ -17138,7 +17138,7 @@
           <a:p>
             <a:fld id="{639A69B2-D06C-4446-AA8E-B768C417E11C}" type="datetimeFigureOut">
               <a:rPr lang="en-US" smtClean="0"/>
-              <a:t>1/24/2025</a:t>
+              <a:t>1/28/2025</a:t>
             </a:fld>
             <a:endParaRPr lang="en-US"/>
           </a:p>
@@ -18509,7 +18509,7 @@
           <a:p>
             <a:fld id="{35F072F2-EA4A-4F15-ACCE-ADDC45340827}" type="datetimeFigureOut">
               <a:rPr lang="en-US" smtClean="0"/>
-              <a:t>1/24/2025</a:t>
+              <a:t>1/28/2025</a:t>
             </a:fld>
             <a:endParaRPr lang="en-US"/>
           </a:p>
@@ -18707,7 +18707,7 @@
           <a:p>
             <a:fld id="{35F072F2-EA4A-4F15-ACCE-ADDC45340827}" type="datetimeFigureOut">
               <a:rPr lang="en-US" smtClean="0"/>
-              <a:t>1/24/2025</a:t>
+              <a:t>1/28/2025</a:t>
             </a:fld>
             <a:endParaRPr lang="en-US"/>
           </a:p>
@@ -18915,7 +18915,7 @@
           <a:p>
             <a:fld id="{35F072F2-EA4A-4F15-ACCE-ADDC45340827}" type="datetimeFigureOut">
               <a:rPr lang="en-US" smtClean="0"/>
-              <a:t>1/24/2025</a:t>
+              <a:t>1/28/2025</a:t>
             </a:fld>
             <a:endParaRPr lang="en-US"/>
           </a:p>
@@ -19113,7 +19113,7 @@
           <a:p>
             <a:fld id="{35F072F2-EA4A-4F15-ACCE-ADDC45340827}" type="datetimeFigureOut">
               <a:rPr lang="en-US" smtClean="0"/>
-              <a:t>1/24/2025</a:t>
+              <a:t>1/28/2025</a:t>
             </a:fld>
             <a:endParaRPr lang="en-US"/>
           </a:p>
@@ -19388,7 +19388,7 @@
           <a:p>
             <a:fld id="{35F072F2-EA4A-4F15-ACCE-ADDC45340827}" type="datetimeFigureOut">
               <a:rPr lang="en-US" smtClean="0"/>
-              <a:t>1/24/2025</a:t>
+              <a:t>1/28/2025</a:t>
             </a:fld>
             <a:endParaRPr lang="en-US"/>
           </a:p>
@@ -19653,7 +19653,7 @@
           <a:p>
             <a:fld id="{35F072F2-EA4A-4F15-ACCE-ADDC45340827}" type="datetimeFigureOut">
               <a:rPr lang="en-US" smtClean="0"/>
-              <a:t>1/24/2025</a:t>
+              <a:t>1/28/2025</a:t>
             </a:fld>
             <a:endParaRPr lang="en-US"/>
           </a:p>
@@ -20065,7 +20065,7 @@
           <a:p>
             <a:fld id="{35F072F2-EA4A-4F15-ACCE-ADDC45340827}" type="datetimeFigureOut">
               <a:rPr lang="en-US" smtClean="0"/>
-              <a:t>1/24/2025</a:t>
+              <a:t>1/28/2025</a:t>
             </a:fld>
             <a:endParaRPr lang="en-US"/>
           </a:p>
@@ -20206,7 +20206,7 @@
           <a:p>
             <a:fld id="{35F072F2-EA4A-4F15-ACCE-ADDC45340827}" type="datetimeFigureOut">
               <a:rPr lang="en-US" smtClean="0"/>
-              <a:t>1/24/2025</a:t>
+              <a:t>1/28/2025</a:t>
             </a:fld>
             <a:endParaRPr lang="en-US"/>
           </a:p>
@@ -20319,7 +20319,7 @@
           <a:p>
             <a:fld id="{35F072F2-EA4A-4F15-ACCE-ADDC45340827}" type="datetimeFigureOut">
               <a:rPr lang="en-US" smtClean="0"/>
-              <a:t>1/24/2025</a:t>
+              <a:t>1/28/2025</a:t>
             </a:fld>
             <a:endParaRPr lang="en-US"/>
           </a:p>
@@ -20630,7 +20630,7 @@
           <a:p>
             <a:fld id="{35F072F2-EA4A-4F15-ACCE-ADDC45340827}" type="datetimeFigureOut">
               <a:rPr lang="en-US" smtClean="0"/>
-              <a:t>1/24/2025</a:t>
+              <a:t>1/28/2025</a:t>
             </a:fld>
             <a:endParaRPr lang="en-US"/>
           </a:p>
@@ -20918,7 +20918,7 @@
           <a:p>
             <a:fld id="{35F072F2-EA4A-4F15-ACCE-ADDC45340827}" type="datetimeFigureOut">
               <a:rPr lang="en-US" smtClean="0"/>
-              <a:t>1/24/2025</a:t>
+              <a:t>1/28/2025</a:t>
             </a:fld>
             <a:endParaRPr lang="en-US"/>
           </a:p>
@@ -21159,7 +21159,7 @@
           <a:p>
             <a:fld id="{35F072F2-EA4A-4F15-ACCE-ADDC45340827}" type="datetimeFigureOut">
               <a:rPr lang="en-US" smtClean="0"/>
-              <a:t>1/24/2025</a:t>
+              <a:t>1/28/2025</a:t>
             </a:fld>
             <a:endParaRPr lang="en-US"/>
           </a:p>
@@ -27161,12 +27161,17 @@
             <p:ph type="title"/>
           </p:nvPr>
         </p:nvSpPr>
-        <p:spPr/>
+        <p:spPr>
+          <a:xfrm>
+            <a:off x="838200" y="365125"/>
+            <a:ext cx="10636624" cy="1325563"/>
+          </a:xfrm>
+        </p:spPr>
         <p:txBody>
           <a:bodyPr/>
           <a:lstStyle/>
           <a:p>
-            <a:endParaRPr lang="en-US"/>
+            <a:endParaRPr lang="en-US" dirty="0"/>
           </a:p>
         </p:txBody>
       </p:sp>
@@ -27186,12 +27191,20 @@
             <p:ph idx="1"/>
           </p:nvPr>
         </p:nvSpPr>
-        <p:spPr/>
+        <p:spPr>
+          <a:xfrm>
+            <a:off x="838200" y="1825625"/>
+            <a:ext cx="10636624" cy="4351338"/>
+          </a:xfrm>
+        </p:spPr>
         <p:txBody>
           <a:bodyPr/>
           <a:lstStyle/>
           <a:p>
-            <a:endParaRPr lang="en-US"/>
+            <a:r>
+              <a:rPr lang="en-US" dirty="0"/>
+              <a:t>https://github.com/EwokOzwok/Data-Cleaning-Seminar-CBHPAR-</a:t>
+            </a:r>
           </a:p>
         </p:txBody>
       </p:sp>

--- a/Data Cleaning Seminar.pptx
+++ b/Data Cleaning Seminar.pptx
@@ -6337,8 +6337,8 @@
         <a:lstStyle/>
         <a:p>
           <a:r>
-            <a:rPr lang="en-US"/>
-            <a:t>Check variable names, types, and labels.</a:t>
+            <a:rPr lang="en-US" dirty="0"/>
+            <a:t>Check variable names, types, and labels (Generate a codebook).</a:t>
           </a:r>
         </a:p>
       </dgm:t>
@@ -9903,8 +9903,8 @@
             <a:buNone/>
           </a:pPr>
           <a:r>
-            <a:rPr lang="en-US" sz="1400" kern="1200"/>
-            <a:t>Check variable names, types, and labels.</a:t>
+            <a:rPr lang="en-US" sz="1400" kern="1200" dirty="0"/>
+            <a:t>Check variable names, types, and labels (Generate a codebook).</a:t>
           </a:r>
         </a:p>
       </dsp:txBody>
@@ -17138,7 +17138,7 @@
           <a:p>
             <a:fld id="{639A69B2-D06C-4446-AA8E-B768C417E11C}" type="datetimeFigureOut">
               <a:rPr lang="en-US" smtClean="0"/>
-              <a:t>1/28/2025</a:t>
+              <a:t>1/31/2025</a:t>
             </a:fld>
             <a:endParaRPr lang="en-US"/>
           </a:p>
@@ -17448,6 +17448,15 @@
         <p:txBody>
           <a:bodyPr/>
           <a:lstStyle/>
+          <a:p>
+            <a:r>
+              <a:rPr lang="en-US" dirty="0"/>
+              <a:t>### Find how to install R (mac and windows) and how R works videos ###</a:t>
+            </a:r>
+          </a:p>
+          <a:p>
+            <a:endParaRPr lang="en-US" dirty="0"/>
+          </a:p>
           <a:p>
             <a:r>
               <a:rPr lang="en-US" dirty="0"/>
@@ -18144,6 +18153,15 @@
           <a:p>
             <a:r>
               <a:rPr lang="en-US" dirty="0"/>
+              <a:t>Add SPSS Syntax for Codebook Generation.</a:t>
+            </a:r>
+          </a:p>
+          <a:p>
+            <a:endParaRPr lang="en-US" dirty="0"/>
+          </a:p>
+          <a:p>
+            <a:r>
+              <a:rPr lang="en-US" dirty="0"/>
               <a:t>Now, let’s get into the practical steps for cleaning Qualtrics data in SPSS. First, export your data from Qualtrics and import it into SPSS. Begin with a thorough </a:t>
             </a:r>
             <a:r>
@@ -18180,7 +18198,7 @@
             </a:r>
           </a:p>
           <a:p>
-            <a:endParaRPr lang="en-US"/>
+            <a:endParaRPr lang="en-US" dirty="0"/>
           </a:p>
           <a:p>
             <a:endParaRPr lang="en-US" dirty="0"/>
@@ -18509,7 +18527,7 @@
           <a:p>
             <a:fld id="{35F072F2-EA4A-4F15-ACCE-ADDC45340827}" type="datetimeFigureOut">
               <a:rPr lang="en-US" smtClean="0"/>
-              <a:t>1/28/2025</a:t>
+              <a:t>1/31/2025</a:t>
             </a:fld>
             <a:endParaRPr lang="en-US"/>
           </a:p>
@@ -18707,7 +18725,7 @@
           <a:p>
             <a:fld id="{35F072F2-EA4A-4F15-ACCE-ADDC45340827}" type="datetimeFigureOut">
               <a:rPr lang="en-US" smtClean="0"/>
-              <a:t>1/28/2025</a:t>
+              <a:t>1/31/2025</a:t>
             </a:fld>
             <a:endParaRPr lang="en-US"/>
           </a:p>
@@ -18915,7 +18933,7 @@
           <a:p>
             <a:fld id="{35F072F2-EA4A-4F15-ACCE-ADDC45340827}" type="datetimeFigureOut">
               <a:rPr lang="en-US" smtClean="0"/>
-              <a:t>1/28/2025</a:t>
+              <a:t>1/31/2025</a:t>
             </a:fld>
             <a:endParaRPr lang="en-US"/>
           </a:p>
@@ -19113,7 +19131,7 @@
           <a:p>
             <a:fld id="{35F072F2-EA4A-4F15-ACCE-ADDC45340827}" type="datetimeFigureOut">
               <a:rPr lang="en-US" smtClean="0"/>
-              <a:t>1/28/2025</a:t>
+              <a:t>1/31/2025</a:t>
             </a:fld>
             <a:endParaRPr lang="en-US"/>
           </a:p>
@@ -19388,7 +19406,7 @@
           <a:p>
             <a:fld id="{35F072F2-EA4A-4F15-ACCE-ADDC45340827}" type="datetimeFigureOut">
               <a:rPr lang="en-US" smtClean="0"/>
-              <a:t>1/28/2025</a:t>
+              <a:t>1/31/2025</a:t>
             </a:fld>
             <a:endParaRPr lang="en-US"/>
           </a:p>
@@ -19653,7 +19671,7 @@
           <a:p>
             <a:fld id="{35F072F2-EA4A-4F15-ACCE-ADDC45340827}" type="datetimeFigureOut">
               <a:rPr lang="en-US" smtClean="0"/>
-              <a:t>1/28/2025</a:t>
+              <a:t>1/31/2025</a:t>
             </a:fld>
             <a:endParaRPr lang="en-US"/>
           </a:p>
@@ -20065,7 +20083,7 @@
           <a:p>
             <a:fld id="{35F072F2-EA4A-4F15-ACCE-ADDC45340827}" type="datetimeFigureOut">
               <a:rPr lang="en-US" smtClean="0"/>
-              <a:t>1/28/2025</a:t>
+              <a:t>1/31/2025</a:t>
             </a:fld>
             <a:endParaRPr lang="en-US"/>
           </a:p>
@@ -20206,7 +20224,7 @@
           <a:p>
             <a:fld id="{35F072F2-EA4A-4F15-ACCE-ADDC45340827}" type="datetimeFigureOut">
               <a:rPr lang="en-US" smtClean="0"/>
-              <a:t>1/28/2025</a:t>
+              <a:t>1/31/2025</a:t>
             </a:fld>
             <a:endParaRPr lang="en-US"/>
           </a:p>
@@ -20319,7 +20337,7 @@
           <a:p>
             <a:fld id="{35F072F2-EA4A-4F15-ACCE-ADDC45340827}" type="datetimeFigureOut">
               <a:rPr lang="en-US" smtClean="0"/>
-              <a:t>1/28/2025</a:t>
+              <a:t>1/31/2025</a:t>
             </a:fld>
             <a:endParaRPr lang="en-US"/>
           </a:p>
@@ -20630,7 +20648,7 @@
           <a:p>
             <a:fld id="{35F072F2-EA4A-4F15-ACCE-ADDC45340827}" type="datetimeFigureOut">
               <a:rPr lang="en-US" smtClean="0"/>
-              <a:t>1/28/2025</a:t>
+              <a:t>1/31/2025</a:t>
             </a:fld>
             <a:endParaRPr lang="en-US"/>
           </a:p>
@@ -20918,7 +20936,7 @@
           <a:p>
             <a:fld id="{35F072F2-EA4A-4F15-ACCE-ADDC45340827}" type="datetimeFigureOut">
               <a:rPr lang="en-US" smtClean="0"/>
-              <a:t>1/28/2025</a:t>
+              <a:t>1/31/2025</a:t>
             </a:fld>
             <a:endParaRPr lang="en-US"/>
           </a:p>
@@ -21159,7 +21177,7 @@
           <a:p>
             <a:fld id="{35F072F2-EA4A-4F15-ACCE-ADDC45340827}" type="datetimeFigureOut">
               <a:rPr lang="en-US" smtClean="0"/>
-              <a:t>1/28/2025</a:t>
+              <a:t>1/31/2025</a:t>
             </a:fld>
             <a:endParaRPr lang="en-US"/>
           </a:p>
@@ -26785,7 +26803,7 @@
             <p:ph idx="1"/>
             <p:extLst>
               <p:ext uri="{D42A27DB-BD31-4B8C-83A1-F6EECF244321}">
-                <p14:modId xmlns:p14="http://schemas.microsoft.com/office/powerpoint/2010/main" val="4039546432"/>
+                <p14:modId xmlns:p14="http://schemas.microsoft.com/office/powerpoint/2010/main" val="2077682561"/>
               </p:ext>
             </p:extLst>
           </p:nvPr>

--- a/Data Cleaning Seminar.pptx
+++ b/Data Cleaning Seminar.pptx
@@ -17138,7 +17138,7 @@
           <a:p>
             <a:fld id="{639A69B2-D06C-4446-AA8E-B768C417E11C}" type="datetimeFigureOut">
               <a:rPr lang="en-US" smtClean="0"/>
-              <a:t>1/31/2025</a:t>
+              <a:t>2/4/2025</a:t>
             </a:fld>
             <a:endParaRPr lang="en-US"/>
           </a:p>
@@ -17450,17 +17450,12 @@
           <a:lstStyle/>
           <a:p>
             <a:r>
-              <a:rPr lang="en-US" dirty="0"/>
-              <a:t>### Find how to install R (mac and windows) and how R works videos ###</a:t>
+              <a:rPr lang="en-US"/>
+              <a:t>Good </a:t>
             </a:r>
-          </a:p>
-          <a:p>
-            <a:endParaRPr lang="en-US" dirty="0"/>
-          </a:p>
-          <a:p>
             <a:r>
               <a:rPr lang="en-US" dirty="0"/>
-              <a:t>Good afternoon everyone, and welcome to </a:t>
+              <a:t>afternoon everyone, and welcome to </a:t>
             </a:r>
             <a:r>
               <a:rPr lang="en-US" i="1" dirty="0"/>
@@ -18153,15 +18148,6 @@
           <a:p>
             <a:r>
               <a:rPr lang="en-US" dirty="0"/>
-              <a:t>Add SPSS Syntax for Codebook Generation.</a:t>
-            </a:r>
-          </a:p>
-          <a:p>
-            <a:endParaRPr lang="en-US" dirty="0"/>
-          </a:p>
-          <a:p>
-            <a:r>
-              <a:rPr lang="en-US" dirty="0"/>
               <a:t>Now, let’s get into the practical steps for cleaning Qualtrics data in SPSS. First, export your data from Qualtrics and import it into SPSS. Begin with a thorough </a:t>
             </a:r>
             <a:r>
@@ -18527,7 +18513,7 @@
           <a:p>
             <a:fld id="{35F072F2-EA4A-4F15-ACCE-ADDC45340827}" type="datetimeFigureOut">
               <a:rPr lang="en-US" smtClean="0"/>
-              <a:t>1/31/2025</a:t>
+              <a:t>2/4/2025</a:t>
             </a:fld>
             <a:endParaRPr lang="en-US"/>
           </a:p>
@@ -18725,7 +18711,7 @@
           <a:p>
             <a:fld id="{35F072F2-EA4A-4F15-ACCE-ADDC45340827}" type="datetimeFigureOut">
               <a:rPr lang="en-US" smtClean="0"/>
-              <a:t>1/31/2025</a:t>
+              <a:t>2/4/2025</a:t>
             </a:fld>
             <a:endParaRPr lang="en-US"/>
           </a:p>
@@ -18933,7 +18919,7 @@
           <a:p>
             <a:fld id="{35F072F2-EA4A-4F15-ACCE-ADDC45340827}" type="datetimeFigureOut">
               <a:rPr lang="en-US" smtClean="0"/>
-              <a:t>1/31/2025</a:t>
+              <a:t>2/4/2025</a:t>
             </a:fld>
             <a:endParaRPr lang="en-US"/>
           </a:p>
@@ -19131,7 +19117,7 @@
           <a:p>
             <a:fld id="{35F072F2-EA4A-4F15-ACCE-ADDC45340827}" type="datetimeFigureOut">
               <a:rPr lang="en-US" smtClean="0"/>
-              <a:t>1/31/2025</a:t>
+              <a:t>2/4/2025</a:t>
             </a:fld>
             <a:endParaRPr lang="en-US"/>
           </a:p>
@@ -19406,7 +19392,7 @@
           <a:p>
             <a:fld id="{35F072F2-EA4A-4F15-ACCE-ADDC45340827}" type="datetimeFigureOut">
               <a:rPr lang="en-US" smtClean="0"/>
-              <a:t>1/31/2025</a:t>
+              <a:t>2/4/2025</a:t>
             </a:fld>
             <a:endParaRPr lang="en-US"/>
           </a:p>
@@ -19671,7 +19657,7 @@
           <a:p>
             <a:fld id="{35F072F2-EA4A-4F15-ACCE-ADDC45340827}" type="datetimeFigureOut">
               <a:rPr lang="en-US" smtClean="0"/>
-              <a:t>1/31/2025</a:t>
+              <a:t>2/4/2025</a:t>
             </a:fld>
             <a:endParaRPr lang="en-US"/>
           </a:p>
@@ -20083,7 +20069,7 @@
           <a:p>
             <a:fld id="{35F072F2-EA4A-4F15-ACCE-ADDC45340827}" type="datetimeFigureOut">
               <a:rPr lang="en-US" smtClean="0"/>
-              <a:t>1/31/2025</a:t>
+              <a:t>2/4/2025</a:t>
             </a:fld>
             <a:endParaRPr lang="en-US"/>
           </a:p>
@@ -20224,7 +20210,7 @@
           <a:p>
             <a:fld id="{35F072F2-EA4A-4F15-ACCE-ADDC45340827}" type="datetimeFigureOut">
               <a:rPr lang="en-US" smtClean="0"/>
-              <a:t>1/31/2025</a:t>
+              <a:t>2/4/2025</a:t>
             </a:fld>
             <a:endParaRPr lang="en-US"/>
           </a:p>
@@ -20337,7 +20323,7 @@
           <a:p>
             <a:fld id="{35F072F2-EA4A-4F15-ACCE-ADDC45340827}" type="datetimeFigureOut">
               <a:rPr lang="en-US" smtClean="0"/>
-              <a:t>1/31/2025</a:t>
+              <a:t>2/4/2025</a:t>
             </a:fld>
             <a:endParaRPr lang="en-US"/>
           </a:p>
@@ -20648,7 +20634,7 @@
           <a:p>
             <a:fld id="{35F072F2-EA4A-4F15-ACCE-ADDC45340827}" type="datetimeFigureOut">
               <a:rPr lang="en-US" smtClean="0"/>
-              <a:t>1/31/2025</a:t>
+              <a:t>2/4/2025</a:t>
             </a:fld>
             <a:endParaRPr lang="en-US"/>
           </a:p>
@@ -20936,7 +20922,7 @@
           <a:p>
             <a:fld id="{35F072F2-EA4A-4F15-ACCE-ADDC45340827}" type="datetimeFigureOut">
               <a:rPr lang="en-US" smtClean="0"/>
-              <a:t>1/31/2025</a:t>
+              <a:t>2/4/2025</a:t>
             </a:fld>
             <a:endParaRPr lang="en-US"/>
           </a:p>
@@ -21177,7 +21163,7 @@
           <a:p>
             <a:fld id="{35F072F2-EA4A-4F15-ACCE-ADDC45340827}" type="datetimeFigureOut">
               <a:rPr lang="en-US" smtClean="0"/>
-              <a:t>1/31/2025</a:t>
+              <a:t>2/4/2025</a:t>
             </a:fld>
             <a:endParaRPr lang="en-US"/>
           </a:p>

--- a/Data Cleaning Seminar.pptx
+++ b/Data Cleaning Seminar.pptx
@@ -27119,6 +27119,66 @@
           </a:effectLst>
         </p:spPr>
       </p:pic>
+      <p:pic>
+        <p:nvPicPr>
+          <p:cNvPr id="8" name="Picture 7">
+            <a:extLst>
+              <a:ext uri="{FF2B5EF4-FFF2-40B4-BE49-F238E27FC236}">
+                <a16:creationId xmlns:a16="http://schemas.microsoft.com/office/drawing/2014/main" id="{871C1AA2-CE80-8F5A-0E8F-3C5C7F4F1CF7}"/>
+              </a:ext>
+            </a:extLst>
+          </p:cNvPr>
+          <p:cNvPicPr>
+            <a:picLocks noChangeAspect="1"/>
+          </p:cNvPicPr>
+          <p:nvPr/>
+        </p:nvPicPr>
+        <p:blipFill>
+          <a:blip r:embed="rId4"/>
+          <a:stretch>
+            <a:fillRect/>
+          </a:stretch>
+        </p:blipFill>
+        <p:spPr>
+          <a:xfrm>
+            <a:off x="6857796" y="-73543"/>
+            <a:ext cx="5334203" cy="3519742"/>
+          </a:xfrm>
+          <a:prstGeom prst="rect">
+            <a:avLst/>
+          </a:prstGeom>
+        </p:spPr>
+      </p:pic>
+      <p:pic>
+        <p:nvPicPr>
+          <p:cNvPr id="11" name="Picture 10">
+            <a:extLst>
+              <a:ext uri="{FF2B5EF4-FFF2-40B4-BE49-F238E27FC236}">
+                <a16:creationId xmlns:a16="http://schemas.microsoft.com/office/drawing/2014/main" id="{AE0BB9A0-2AD0-B0C6-7752-AA7FEEEC3E28}"/>
+              </a:ext>
+            </a:extLst>
+          </p:cNvPr>
+          <p:cNvPicPr>
+            <a:picLocks noChangeAspect="1"/>
+          </p:cNvPicPr>
+          <p:nvPr/>
+        </p:nvPicPr>
+        <p:blipFill>
+          <a:blip r:embed="rId5"/>
+          <a:stretch>
+            <a:fillRect/>
+          </a:stretch>
+        </p:blipFill>
+        <p:spPr>
+          <a:xfrm>
+            <a:off x="6857795" y="3338593"/>
+            <a:ext cx="5378660" cy="3508282"/>
+          </a:xfrm>
+          <a:prstGeom prst="rect">
+            <a:avLst/>
+          </a:prstGeom>
+        </p:spPr>
+      </p:pic>
     </p:spTree>
     <p:extLst>
       <p:ext uri="{BB962C8B-B14F-4D97-AF65-F5344CB8AC3E}">
@@ -27129,6 +27189,126 @@
   <p:clrMapOvr>
     <a:masterClrMapping/>
   </p:clrMapOvr>
+  <p:timing>
+    <p:tnLst>
+      <p:par>
+        <p:cTn id="1" dur="indefinite" restart="never" nodeType="tmRoot">
+          <p:childTnLst>
+            <p:seq concurrent="1" nextAc="seek">
+              <p:cTn id="2" dur="indefinite" nodeType="mainSeq">
+                <p:childTnLst>
+                  <p:par>
+                    <p:cTn id="3" fill="hold">
+                      <p:stCondLst>
+                        <p:cond delay="indefinite"/>
+                      </p:stCondLst>
+                      <p:childTnLst>
+                        <p:par>
+                          <p:cTn id="4" fill="hold">
+                            <p:stCondLst>
+                              <p:cond delay="0"/>
+                            </p:stCondLst>
+                            <p:childTnLst>
+                              <p:par>
+                                <p:cTn id="5" presetID="1" presetClass="entr" presetSubtype="0" fill="hold" nodeType="clickEffect">
+                                  <p:stCondLst>
+                                    <p:cond delay="0"/>
+                                  </p:stCondLst>
+                                  <p:childTnLst>
+                                    <p:set>
+                                      <p:cBhvr>
+                                        <p:cTn id="6" dur="1" fill="hold">
+                                          <p:stCondLst>
+                                            <p:cond delay="0"/>
+                                          </p:stCondLst>
+                                        </p:cTn>
+                                        <p:tgtEl>
+                                          <p:spTgt spid="8"/>
+                                        </p:tgtEl>
+                                        <p:attrNameLst>
+                                          <p:attrName>style.visibility</p:attrName>
+                                        </p:attrNameLst>
+                                      </p:cBhvr>
+                                      <p:to>
+                                        <p:strVal val="visible"/>
+                                      </p:to>
+                                    </p:set>
+                                  </p:childTnLst>
+                                </p:cTn>
+                              </p:par>
+                            </p:childTnLst>
+                          </p:cTn>
+                        </p:par>
+                      </p:childTnLst>
+                    </p:cTn>
+                  </p:par>
+                  <p:par>
+                    <p:cTn id="7" fill="hold">
+                      <p:stCondLst>
+                        <p:cond delay="indefinite"/>
+                      </p:stCondLst>
+                      <p:childTnLst>
+                        <p:par>
+                          <p:cTn id="8" fill="hold">
+                            <p:stCondLst>
+                              <p:cond delay="0"/>
+                            </p:stCondLst>
+                            <p:childTnLst>
+                              <p:par>
+                                <p:cTn id="9" presetID="1" presetClass="entr" presetSubtype="0" fill="hold" nodeType="clickEffect">
+                                  <p:stCondLst>
+                                    <p:cond delay="0"/>
+                                  </p:stCondLst>
+                                  <p:childTnLst>
+                                    <p:set>
+                                      <p:cBhvr>
+                                        <p:cTn id="10" dur="1" fill="hold">
+                                          <p:stCondLst>
+                                            <p:cond delay="0"/>
+                                          </p:stCondLst>
+                                        </p:cTn>
+                                        <p:tgtEl>
+                                          <p:spTgt spid="11"/>
+                                        </p:tgtEl>
+                                        <p:attrNameLst>
+                                          <p:attrName>style.visibility</p:attrName>
+                                        </p:attrNameLst>
+                                      </p:cBhvr>
+                                      <p:to>
+                                        <p:strVal val="visible"/>
+                                      </p:to>
+                                    </p:set>
+                                  </p:childTnLst>
+                                </p:cTn>
+                              </p:par>
+                            </p:childTnLst>
+                          </p:cTn>
+                        </p:par>
+                      </p:childTnLst>
+                    </p:cTn>
+                  </p:par>
+                </p:childTnLst>
+              </p:cTn>
+              <p:prevCondLst>
+                <p:cond evt="onPrev" delay="0">
+                  <p:tgtEl>
+                    <p:sldTgt/>
+                  </p:tgtEl>
+                </p:cond>
+              </p:prevCondLst>
+              <p:nextCondLst>
+                <p:cond evt="onNext" delay="0">
+                  <p:tgtEl>
+                    <p:sldTgt/>
+                  </p:tgtEl>
+                </p:cond>
+              </p:nextCondLst>
+            </p:seq>
+          </p:childTnLst>
+        </p:cTn>
+      </p:par>
+    </p:tnLst>
+  </p:timing>
 </p:sld>
 </file>
 
@@ -27167,15 +27347,21 @@
         </p:nvSpPr>
         <p:spPr>
           <a:xfrm>
-            <a:off x="838200" y="365125"/>
+            <a:off x="838200" y="18255"/>
             <a:ext cx="10636624" cy="1325563"/>
           </a:xfrm>
         </p:spPr>
         <p:txBody>
-          <a:bodyPr/>
+          <a:bodyPr>
+            <a:noAutofit/>
+          </a:bodyPr>
           <a:lstStyle/>
           <a:p>
-            <a:endParaRPr lang="en-US" dirty="0"/>
+            <a:pPr algn="ctr"/>
+            <a:r>
+              <a:rPr lang="en-US" sz="4000" b="1" dirty="0"/>
+              <a:t>https://bit.ly/4aPv5j8</a:t>
+            </a:r>
           </a:p>
         </p:txBody>
       </p:sp>
@@ -27205,13 +27391,43 @@
           <a:bodyPr/>
           <a:lstStyle/>
           <a:p>
-            <a:r>
-              <a:rPr lang="en-US" dirty="0"/>
-              <a:t>https://github.com/EwokOzwok/Data-Cleaning-Seminar-CBHPAR-</a:t>
-            </a:r>
+            <a:pPr marL="0" indent="0">
+              <a:buNone/>
+            </a:pPr>
+            <a:endParaRPr lang="en-US" dirty="0"/>
           </a:p>
         </p:txBody>
       </p:sp>
+      <p:pic>
+        <p:nvPicPr>
+          <p:cNvPr id="5" name="Picture 4">
+            <a:extLst>
+              <a:ext uri="{FF2B5EF4-FFF2-40B4-BE49-F238E27FC236}">
+                <a16:creationId xmlns:a16="http://schemas.microsoft.com/office/drawing/2014/main" id="{4814BF33-FCE1-B643-1672-75B97376FAC3}"/>
+              </a:ext>
+            </a:extLst>
+          </p:cNvPr>
+          <p:cNvPicPr>
+            <a:picLocks noChangeAspect="1"/>
+          </p:cNvPicPr>
+          <p:nvPr/>
+        </p:nvPicPr>
+        <p:blipFill>
+          <a:blip r:embed="rId2"/>
+          <a:stretch>
+            <a:fillRect/>
+          </a:stretch>
+        </p:blipFill>
+        <p:spPr>
+          <a:xfrm>
+            <a:off x="838200" y="1465088"/>
+            <a:ext cx="10878127" cy="4842912"/>
+          </a:xfrm>
+          <a:prstGeom prst="rect">
+            <a:avLst/>
+          </a:prstGeom>
+        </p:spPr>
+      </p:pic>
     </p:spTree>
     <p:extLst>
       <p:ext uri="{BB962C8B-B14F-4D97-AF65-F5344CB8AC3E}">

--- a/Data Cleaning Seminar.pptx
+++ b/Data Cleaning Seminar.pptx
@@ -17138,7 +17138,7 @@
           <a:p>
             <a:fld id="{639A69B2-D06C-4446-AA8E-B768C417E11C}" type="datetimeFigureOut">
               <a:rPr lang="en-US" smtClean="0"/>
-              <a:t>2/4/2025</a:t>
+              <a:t>2/14/2025</a:t>
             </a:fld>
             <a:endParaRPr lang="en-US"/>
           </a:p>
@@ -18513,7 +18513,7 @@
           <a:p>
             <a:fld id="{35F072F2-EA4A-4F15-ACCE-ADDC45340827}" type="datetimeFigureOut">
               <a:rPr lang="en-US" smtClean="0"/>
-              <a:t>2/4/2025</a:t>
+              <a:t>2/14/2025</a:t>
             </a:fld>
             <a:endParaRPr lang="en-US"/>
           </a:p>
@@ -18711,7 +18711,7 @@
           <a:p>
             <a:fld id="{35F072F2-EA4A-4F15-ACCE-ADDC45340827}" type="datetimeFigureOut">
               <a:rPr lang="en-US" smtClean="0"/>
-              <a:t>2/4/2025</a:t>
+              <a:t>2/14/2025</a:t>
             </a:fld>
             <a:endParaRPr lang="en-US"/>
           </a:p>
@@ -18919,7 +18919,7 @@
           <a:p>
             <a:fld id="{35F072F2-EA4A-4F15-ACCE-ADDC45340827}" type="datetimeFigureOut">
               <a:rPr lang="en-US" smtClean="0"/>
-              <a:t>2/4/2025</a:t>
+              <a:t>2/14/2025</a:t>
             </a:fld>
             <a:endParaRPr lang="en-US"/>
           </a:p>
@@ -19117,7 +19117,7 @@
           <a:p>
             <a:fld id="{35F072F2-EA4A-4F15-ACCE-ADDC45340827}" type="datetimeFigureOut">
               <a:rPr lang="en-US" smtClean="0"/>
-              <a:t>2/4/2025</a:t>
+              <a:t>2/14/2025</a:t>
             </a:fld>
             <a:endParaRPr lang="en-US"/>
           </a:p>
@@ -19392,7 +19392,7 @@
           <a:p>
             <a:fld id="{35F072F2-EA4A-4F15-ACCE-ADDC45340827}" type="datetimeFigureOut">
               <a:rPr lang="en-US" smtClean="0"/>
-              <a:t>2/4/2025</a:t>
+              <a:t>2/14/2025</a:t>
             </a:fld>
             <a:endParaRPr lang="en-US"/>
           </a:p>
@@ -19657,7 +19657,7 @@
           <a:p>
             <a:fld id="{35F072F2-EA4A-4F15-ACCE-ADDC45340827}" type="datetimeFigureOut">
               <a:rPr lang="en-US" smtClean="0"/>
-              <a:t>2/4/2025</a:t>
+              <a:t>2/14/2025</a:t>
             </a:fld>
             <a:endParaRPr lang="en-US"/>
           </a:p>
@@ -20069,7 +20069,7 @@
           <a:p>
             <a:fld id="{35F072F2-EA4A-4F15-ACCE-ADDC45340827}" type="datetimeFigureOut">
               <a:rPr lang="en-US" smtClean="0"/>
-              <a:t>2/4/2025</a:t>
+              <a:t>2/14/2025</a:t>
             </a:fld>
             <a:endParaRPr lang="en-US"/>
           </a:p>
@@ -20210,7 +20210,7 @@
           <a:p>
             <a:fld id="{35F072F2-EA4A-4F15-ACCE-ADDC45340827}" type="datetimeFigureOut">
               <a:rPr lang="en-US" smtClean="0"/>
-              <a:t>2/4/2025</a:t>
+              <a:t>2/14/2025</a:t>
             </a:fld>
             <a:endParaRPr lang="en-US"/>
           </a:p>
@@ -20323,7 +20323,7 @@
           <a:p>
             <a:fld id="{35F072F2-EA4A-4F15-ACCE-ADDC45340827}" type="datetimeFigureOut">
               <a:rPr lang="en-US" smtClean="0"/>
-              <a:t>2/4/2025</a:t>
+              <a:t>2/14/2025</a:t>
             </a:fld>
             <a:endParaRPr lang="en-US"/>
           </a:p>
@@ -20634,7 +20634,7 @@
           <a:p>
             <a:fld id="{35F072F2-EA4A-4F15-ACCE-ADDC45340827}" type="datetimeFigureOut">
               <a:rPr lang="en-US" smtClean="0"/>
-              <a:t>2/4/2025</a:t>
+              <a:t>2/14/2025</a:t>
             </a:fld>
             <a:endParaRPr lang="en-US"/>
           </a:p>
@@ -20922,7 +20922,7 @@
           <a:p>
             <a:fld id="{35F072F2-EA4A-4F15-ACCE-ADDC45340827}" type="datetimeFigureOut">
               <a:rPr lang="en-US" smtClean="0"/>
-              <a:t>2/4/2025</a:t>
+              <a:t>2/14/2025</a:t>
             </a:fld>
             <a:endParaRPr lang="en-US"/>
           </a:p>
@@ -21163,7 +21163,7 @@
           <a:p>
             <a:fld id="{35F072F2-EA4A-4F15-ACCE-ADDC45340827}" type="datetimeFigureOut">
               <a:rPr lang="en-US" smtClean="0"/>
-              <a:t>2/4/2025</a:t>
+              <a:t>2/14/2025</a:t>
             </a:fld>
             <a:endParaRPr lang="en-US"/>
           </a:p>
@@ -21729,7 +21729,7 @@
         </p:nvSpPr>
         <p:spPr>
           <a:xfrm>
-            <a:off x="804672" y="4267832"/>
+            <a:off x="804672" y="3871036"/>
             <a:ext cx="4805996" cy="1297115"/>
           </a:xfrm>
         </p:spPr>
@@ -21741,7 +21741,7 @@
           <a:p>
             <a:pPr algn="l"/>
             <a:r>
-              <a:rPr lang="en-US" sz="3100" b="1">
+              <a:rPr lang="en-US" sz="3100" b="1" dirty="0">
                 <a:solidFill>
                   <a:schemeClr val="tx2"/>
                 </a:solidFill>
@@ -21749,14 +21749,14 @@
               <a:t>Data Cleaning 101: </a:t>
             </a:r>
             <a:br>
-              <a:rPr lang="en-US" sz="3100" b="1">
+              <a:rPr lang="en-US" sz="3100" b="1" dirty="0">
                 <a:solidFill>
                   <a:schemeClr val="tx2"/>
                 </a:solidFill>
               </a:rPr>
             </a:br>
             <a:r>
-              <a:rPr lang="en-US" sz="3100" b="1">
+              <a:rPr lang="en-US" sz="3100" b="1" dirty="0">
                 <a:solidFill>
                   <a:schemeClr val="tx2"/>
                 </a:solidFill>
@@ -21784,7 +21784,7 @@
         </p:nvSpPr>
         <p:spPr>
           <a:xfrm>
-            <a:off x="804672" y="3428999"/>
+            <a:off x="804672" y="5168152"/>
             <a:ext cx="4805691" cy="838831"/>
           </a:xfrm>
         </p:spPr>
@@ -21796,7 +21796,7 @@
           <a:p>
             <a:pPr algn="l"/>
             <a:r>
-              <a:rPr lang="en-US" sz="2000">
+              <a:rPr lang="en-US" sz="2000" dirty="0">
                 <a:solidFill>
                   <a:schemeClr val="tx2"/>
                 </a:solidFill>
@@ -21807,7 +21807,7 @@
           <a:p>
             <a:pPr algn="l"/>
             <a:r>
-              <a:rPr lang="en-US" sz="2000">
+              <a:rPr lang="en-US" sz="2000" dirty="0">
                 <a:solidFill>
                   <a:schemeClr val="tx2"/>
                 </a:solidFill>
